--- a/Presentatie Galaxy Blast.pptx
+++ b/Presentatie Galaxy Blast.pptx
@@ -41815,10 +41815,10 @@
               <a:buNone/>
             </a:pPr>
             <a:r>
-              <a:rPr lang="en"/>
-              <a:t>“Our company is excited to announce the development of a new project that has been in development for months. This innovative idea is expected to revolutionize our work”</a:t>
+              <a:rPr lang="nl-NL" dirty="0"/>
+              <a:t>Samenwerking is wel redelijk goed gedaan, de taken zijn best goed verdeeld. Iedereen wist wie wat moest doen</a:t>
             </a:r>
-            <a:endParaRPr/>
+            <a:endParaRPr dirty="0"/>
           </a:p>
         </p:txBody>
       </p:sp>
@@ -41857,10 +41857,10 @@
               <a:buNone/>
             </a:pPr>
             <a:r>
-              <a:rPr lang="en"/>
-              <a:t>“The reach of our newsletter is limitless! Every day we have more and more subscribers who want to discover everything we have to tell. We even improved the design!”</a:t>
+              <a:rPr lang="nl-NL" dirty="0"/>
+              <a:t>Samenwerking was wel goed gegaan doordat we eerst gingen bespreken over hoe wat we allemaal zouden doen  en wie dat dan zouden doen. Toen we begonnen met het werken aan het project gingen we elkaar nog aan spreken over wat we hebben gedaan en wat er nog gedaan moest worden.</a:t>
             </a:r>
-            <a:endParaRPr/>
+            <a:endParaRPr dirty="0"/>
           </a:p>
         </p:txBody>
       </p:sp>
@@ -41899,10 +41899,22 @@
               <a:buNone/>
             </a:pPr>
             <a:r>
-              <a:rPr lang="en"/>
-              <a:t>“Our organization has been recognized for excellence in our field by receiving an award. This recognition reflects the hard work and dedication of all of our amazing collaborators”</a:t>
+              <a:rPr lang="nl-NL" b="0" i="0" dirty="0">
+                <a:solidFill>
+                  <a:srgbClr val="DBDEE1"/>
+                </a:solidFill>
+                <a:effectLst/>
+                <a:latin typeface="Arimo" panose="020B0604020202020204" charset="0"/>
+                <a:ea typeface="Arimo" panose="020B0604020202020204" charset="0"/>
+                <a:cs typeface="Arimo" panose="020B0604020202020204" charset="0"/>
+              </a:rPr>
+              <a:t>samenwerking is goed gegaan. we hebben de eerste dag alles goed besproken en de taken verdeeld, zodat we dinsdag lekker zelf konden werken en elkaar konden helpen waar nodig.</a:t>
             </a:r>
-            <a:endParaRPr/>
+            <a:endParaRPr lang="nl-NL" dirty="0">
+              <a:latin typeface="Arimo" panose="020B0604020202020204" charset="0"/>
+              <a:ea typeface="Arimo" panose="020B0604020202020204" charset="0"/>
+              <a:cs typeface="Arimo" panose="020B0604020202020204" charset="0"/>
+            </a:endParaRPr>
           </a:p>
         </p:txBody>
       </p:sp>
@@ -41941,10 +41953,25 @@
               <a:buNone/>
             </a:pPr>
             <a:r>
-              <a:rPr lang="en"/>
-              <a:t>“We have recently partnered with a nonprofit organization to provide support and resources to those in need. We believe it is important to be socially responsible”</a:t>
+              <a:rPr lang="nl-NL" dirty="0"/>
+              <a:t>Samenwerking ging wel goed, de andere klasgenoten hadden ook inbreng in de game wat ook fijn was.</a:t>
             </a:r>
-            <a:endParaRPr/>
+          </a:p>
+          <a:p>
+            <a:pPr marL="0" lvl="0" indent="0" algn="ctr" rtl="0">
+              <a:spcBef>
+                <a:spcPts val="0"/>
+              </a:spcBef>
+              <a:spcAft>
+                <a:spcPts val="0"/>
+              </a:spcAft>
+              <a:buNone/>
+            </a:pPr>
+            <a:r>
+              <a:rPr lang="nl-NL" dirty="0"/>
+              <a:t>Het communiceren ging ook goed, we hadden op teams een chat gemaakt waardoor we elkaar konden bereiken.</a:t>
+            </a:r>
+            <a:endParaRPr dirty="0"/>
           </a:p>
         </p:txBody>
       </p:sp>
@@ -42179,7 +42206,7 @@
         </p:nvSpPr>
         <p:spPr>
           <a:xfrm>
-            <a:off x="713254" y="1511725"/>
+            <a:off x="713225" y="2098131"/>
             <a:ext cx="3425400" cy="658800"/>
           </a:xfrm>
           <a:prstGeom prst="rect">
@@ -42202,10 +42229,10 @@
               <a:buNone/>
             </a:pPr>
             <a:r>
-              <a:rPr lang="en"/>
-              <a:t>“Break your day into smaller chunks and focus on one task at a time. Take short breaks in between to stay fresh”</a:t>
+              <a:rPr lang="en" dirty="0"/>
+              <a:t>Nu hebben we alleen paarse slimes, maar misschien dan andere kleuren slimes die sterker zijn of sneller .</a:t>
             </a:r>
-            <a:endParaRPr/>
+            <a:endParaRPr dirty="0"/>
           </a:p>
         </p:txBody>
       </p:sp>
@@ -42221,7 +42248,7 @@
         </p:nvSpPr>
         <p:spPr>
           <a:xfrm>
-            <a:off x="713404" y="2730750"/>
+            <a:off x="713404" y="3757801"/>
             <a:ext cx="3425100" cy="658800"/>
           </a:xfrm>
           <a:prstGeom prst="rect">
@@ -42244,10 +42271,10 @@
               <a:buNone/>
             </a:pPr>
             <a:r>
-              <a:rPr lang="en"/>
-              <a:t>“Attend events, join professional organizations, and connect with others in your field on social media to expand your network”</a:t>
+              <a:rPr lang="nl-NL" dirty="0"/>
+              <a:t>We kunnen nog een score teller toevoegen of misschien ook wel een highscore</a:t>
             </a:r>
-            <a:endParaRPr/>
+            <a:endParaRPr dirty="0"/>
           </a:p>
         </p:txBody>
       </p:sp>
@@ -42263,7 +42290,7 @@
         </p:nvSpPr>
         <p:spPr>
           <a:xfrm>
-            <a:off x="5005046" y="2730750"/>
+            <a:off x="5005046" y="3715507"/>
             <a:ext cx="3425700" cy="658800"/>
           </a:xfrm>
           <a:prstGeom prst="rect">
@@ -42286,10 +42313,10 @@
               <a:buNone/>
             </a:pPr>
             <a:r>
-              <a:rPr lang="en"/>
-              <a:t>“Be concise when communicating ideas, actively listen to feedback, and be open to constructive criticism”</a:t>
+              <a:rPr lang="en" dirty="0"/>
+              <a:t>Nu alleen een meisje, maar kan ook jongen of misschien wapen veranderen naar boog.</a:t>
             </a:r>
-            <a:endParaRPr/>
+            <a:endParaRPr dirty="0"/>
           </a:p>
         </p:txBody>
       </p:sp>
@@ -42305,7 +42332,7 @@
         </p:nvSpPr>
         <p:spPr>
           <a:xfrm>
-            <a:off x="5005046" y="1511725"/>
+            <a:off x="5035729" y="2124217"/>
             <a:ext cx="3425700" cy="658800"/>
           </a:xfrm>
           <a:prstGeom prst="rect">
@@ -42328,94 +42355,10 @@
               <a:buNone/>
             </a:pPr>
             <a:r>
-              <a:rPr lang="en"/>
-              <a:t>“Make time for exercise, healthy eating, and hobbies outside of work to reduce stress and promote relaxation”</a:t>
+              <a:rPr lang="en" dirty="0"/>
+              <a:t>Achtergrond nu is in de wolken, misschien ook wel in space of op de aarde of in hell.</a:t>
             </a:r>
-            <a:endParaRPr/>
-          </a:p>
-        </p:txBody>
-      </p:sp>
-      <p:sp>
-        <p:nvSpPr>
-          <p:cNvPr id="931" name="Google Shape;931;p39"/>
-          <p:cNvSpPr txBox="1">
-            <a:spLocks noGrp="1"/>
-          </p:cNvSpPr>
-          <p:nvPr>
-            <p:ph type="subTitle" idx="5"/>
-          </p:nvPr>
-        </p:nvSpPr>
-        <p:spPr>
-          <a:xfrm>
-            <a:off x="713254" y="3949775"/>
-            <a:ext cx="3425400" cy="658800"/>
-          </a:xfrm>
-          <a:prstGeom prst="rect">
-            <a:avLst/>
-          </a:prstGeom>
-        </p:spPr>
-        <p:txBody>
-          <a:bodyPr spcFirstLastPara="1" wrap="square" lIns="91425" tIns="91425" rIns="91425" bIns="91425" anchor="t" anchorCtr="0">
-            <a:noAutofit/>
-          </a:bodyPr>
-          <a:lstStyle/>
-          <a:p>
-            <a:pPr marL="0" lvl="0" indent="0" algn="ctr" rtl="0">
-              <a:spcBef>
-                <a:spcPts val="0"/>
-              </a:spcBef>
-              <a:spcAft>
-                <a:spcPts val="0"/>
-              </a:spcAft>
-              <a:buNone/>
-            </a:pPr>
-            <a:r>
-              <a:rPr lang="en"/>
-              <a:t>"Attend workshops, read industry publications and take online courses to expand your knowledge base”</a:t>
-            </a:r>
-            <a:endParaRPr/>
-          </a:p>
-        </p:txBody>
-      </p:sp>
-      <p:sp>
-        <p:nvSpPr>
-          <p:cNvPr id="932" name="Google Shape;932;p39"/>
-          <p:cNvSpPr txBox="1">
-            <a:spLocks noGrp="1"/>
-          </p:cNvSpPr>
-          <p:nvPr>
-            <p:ph type="subTitle" idx="6"/>
-          </p:nvPr>
-        </p:nvSpPr>
-        <p:spPr>
-          <a:xfrm>
-            <a:off x="5005046" y="3949775"/>
-            <a:ext cx="3425700" cy="658800"/>
-          </a:xfrm>
-          <a:prstGeom prst="rect">
-            <a:avLst/>
-          </a:prstGeom>
-        </p:spPr>
-        <p:txBody>
-          <a:bodyPr spcFirstLastPara="1" wrap="square" lIns="91425" tIns="91425" rIns="91425" bIns="91425" anchor="t" anchorCtr="0">
-            <a:noAutofit/>
-          </a:bodyPr>
-          <a:lstStyle/>
-          <a:p>
-            <a:pPr marL="0" lvl="0" indent="0" algn="ctr" rtl="0">
-              <a:spcBef>
-                <a:spcPts val="0"/>
-              </a:spcBef>
-              <a:spcAft>
-                <a:spcPts val="0"/>
-              </a:spcAft>
-              <a:buNone/>
-            </a:pPr>
-            <a:r>
-              <a:rPr lang="en"/>
-              <a:t>"Set clear goals. You can break them down into smaller steps, which in turn are achievable, and celebrate progress”</a:t>
-            </a:r>
-            <a:endParaRPr/>
+            <a:endParaRPr dirty="0"/>
           </a:p>
         </p:txBody>
       </p:sp>
@@ -42431,7 +42374,7 @@
         </p:nvSpPr>
         <p:spPr>
           <a:xfrm>
-            <a:off x="713254" y="1117050"/>
+            <a:off x="713225" y="1598382"/>
             <a:ext cx="3425400" cy="537300"/>
           </a:xfrm>
           <a:prstGeom prst="rect">
@@ -42454,10 +42397,10 @@
               <a:buNone/>
             </a:pPr>
             <a:r>
-              <a:rPr lang="en"/>
-              <a:t>TIME MANAGEMENT</a:t>
+              <a:rPr lang="en" dirty="0"/>
+              <a:t>Meerder enemies</a:t>
             </a:r>
-            <a:endParaRPr/>
+            <a:endParaRPr dirty="0"/>
           </a:p>
         </p:txBody>
       </p:sp>
@@ -42473,7 +42416,7 @@
         </p:nvSpPr>
         <p:spPr>
           <a:xfrm>
-            <a:off x="713404" y="2335925"/>
+            <a:off x="713225" y="3220501"/>
             <a:ext cx="3425100" cy="537300"/>
           </a:xfrm>
           <a:prstGeom prst="rect">
@@ -42496,10 +42439,10 @@
               <a:buNone/>
             </a:pPr>
             <a:r>
-              <a:rPr lang="en"/>
-              <a:t>NETWORKING</a:t>
+              <a:rPr lang="en" dirty="0"/>
+              <a:t>score</a:t>
             </a:r>
-            <a:endParaRPr/>
+            <a:endParaRPr dirty="0"/>
           </a:p>
         </p:txBody>
       </p:sp>
@@ -42515,7 +42458,7 @@
         </p:nvSpPr>
         <p:spPr>
           <a:xfrm>
-            <a:off x="5005046" y="2335925"/>
+            <a:off x="5004896" y="3220501"/>
             <a:ext cx="3425700" cy="537300"/>
           </a:xfrm>
           <a:prstGeom prst="rect">
@@ -42538,10 +42481,14 @@
               <a:buNone/>
             </a:pPr>
             <a:r>
-              <a:rPr lang="en"/>
-              <a:t>COMMUNICATION</a:t>
+              <a:rPr lang="nl-NL" dirty="0"/>
+              <a:t>V</a:t>
             </a:r>
-            <a:endParaRPr/>
+            <a:r>
+              <a:rPr lang="en" dirty="0"/>
+              <a:t>erschillende karakters</a:t>
+            </a:r>
+            <a:endParaRPr dirty="0"/>
           </a:p>
         </p:txBody>
       </p:sp>
@@ -42557,7 +42504,7 @@
         </p:nvSpPr>
         <p:spPr>
           <a:xfrm>
-            <a:off x="5005046" y="1117050"/>
+            <a:off x="5035729" y="1624570"/>
             <a:ext cx="3425700" cy="537300"/>
           </a:xfrm>
           <a:prstGeom prst="rect">
@@ -42580,94 +42527,10 @@
               <a:buNone/>
             </a:pPr>
             <a:r>
-              <a:rPr lang="en"/>
-              <a:t>SELF-CARE</a:t>
+              <a:rPr lang="en" dirty="0"/>
+              <a:t>Meerdere mappen</a:t>
             </a:r>
-            <a:endParaRPr/>
-          </a:p>
-        </p:txBody>
-      </p:sp>
-      <p:sp>
-        <p:nvSpPr>
-          <p:cNvPr id="937" name="Google Shape;937;p39"/>
-          <p:cNvSpPr txBox="1">
-            <a:spLocks noGrp="1"/>
-          </p:cNvSpPr>
-          <p:nvPr>
-            <p:ph type="subTitle" idx="14"/>
-          </p:nvPr>
-        </p:nvSpPr>
-        <p:spPr>
-          <a:xfrm>
-            <a:off x="713254" y="3554800"/>
-            <a:ext cx="3425400" cy="537300"/>
-          </a:xfrm>
-          <a:prstGeom prst="rect">
-            <a:avLst/>
-          </a:prstGeom>
-        </p:spPr>
-        <p:txBody>
-          <a:bodyPr spcFirstLastPara="1" wrap="square" lIns="91425" tIns="91425" rIns="91425" bIns="91425" anchor="b" anchorCtr="0">
-            <a:noAutofit/>
-          </a:bodyPr>
-          <a:lstStyle/>
-          <a:p>
-            <a:pPr marL="0" lvl="0" indent="0" algn="ctr" rtl="0">
-              <a:spcBef>
-                <a:spcPts val="0"/>
-              </a:spcBef>
-              <a:spcAft>
-                <a:spcPts val="0"/>
-              </a:spcAft>
-              <a:buNone/>
-            </a:pPr>
-            <a:r>
-              <a:rPr lang="en"/>
-              <a:t>LEARNING</a:t>
-            </a:r>
-            <a:endParaRPr/>
-          </a:p>
-        </p:txBody>
-      </p:sp>
-      <p:sp>
-        <p:nvSpPr>
-          <p:cNvPr id="938" name="Google Shape;938;p39"/>
-          <p:cNvSpPr txBox="1">
-            <a:spLocks noGrp="1"/>
-          </p:cNvSpPr>
-          <p:nvPr>
-            <p:ph type="subTitle" idx="15"/>
-          </p:nvPr>
-        </p:nvSpPr>
-        <p:spPr>
-          <a:xfrm>
-            <a:off x="5005196" y="3554800"/>
-            <a:ext cx="3425400" cy="537300"/>
-          </a:xfrm>
-          <a:prstGeom prst="rect">
-            <a:avLst/>
-          </a:prstGeom>
-        </p:spPr>
-        <p:txBody>
-          <a:bodyPr spcFirstLastPara="1" wrap="square" lIns="91425" tIns="91425" rIns="91425" bIns="91425" anchor="b" anchorCtr="0">
-            <a:noAutofit/>
-          </a:bodyPr>
-          <a:lstStyle/>
-          <a:p>
-            <a:pPr marL="0" lvl="0" indent="0" algn="ctr" rtl="0">
-              <a:spcBef>
-                <a:spcPts val="0"/>
-              </a:spcBef>
-              <a:spcAft>
-                <a:spcPts val="0"/>
-              </a:spcAft>
-              <a:buNone/>
-            </a:pPr>
-            <a:r>
-              <a:rPr lang="en"/>
-              <a:t>GOAL-SETTING</a:t>
-            </a:r>
-            <a:endParaRPr/>
+            <a:endParaRPr dirty="0"/>
           </a:p>
         </p:txBody>
       </p:sp>
